--- a/old/新規 Microsoft PowerPoint プレゼンテーション.pptx
+++ b/old/新規 Microsoft PowerPoint プレゼンテーション.pptx
@@ -6,6 +6,8 @@
   </p:sldMasterIdLst>
   <p:sldIdLst>
     <p:sldId id="256" r:id="rId2"/>
+    <p:sldId id="257" r:id="rId3"/>
+    <p:sldId id="258" r:id="rId4"/>
   </p:sldIdLst>
   <p:sldSz cx="12192000" cy="6858000"/>
   <p:notesSz cx="6797675" cy="9926638"/>
@@ -104,6 +106,11 @@
       </a:defRPr>
     </a:lvl9pPr>
   </p:defaultTextStyle>
+  <p:extLst>
+    <p:ext uri="{EFAFB233-063F-42B5-8137-9DF3F51BA10A}">
+      <p15:sldGuideLst xmlns:p15="http://schemas.microsoft.com/office/powerpoint/2012/main"/>
+    </p:ext>
+  </p:extLst>
 </p:presentation>
 </file>
 
@@ -238,7 +245,7 @@
           <a:p>
             <a:fld id="{01EB07FD-8B48-4711-9FC0-B5E2D0E47E83}" type="datetimeFigureOut">
               <a:rPr kumimoji="1" lang="ja-JP" altLang="en-US" smtClean="0"/>
-              <a:t>2022/3/31</a:t>
+              <a:t>2022/4/13</a:t>
             </a:fld>
             <a:endParaRPr kumimoji="1" lang="ja-JP" altLang="en-US"/>
           </a:p>
@@ -440,7 +447,7 @@
           <a:p>
             <a:fld id="{01EB07FD-8B48-4711-9FC0-B5E2D0E47E83}" type="datetimeFigureOut">
               <a:rPr kumimoji="1" lang="ja-JP" altLang="en-US" smtClean="0"/>
-              <a:t>2022/3/31</a:t>
+              <a:t>2022/4/13</a:t>
             </a:fld>
             <a:endParaRPr kumimoji="1" lang="ja-JP" altLang="en-US"/>
           </a:p>
@@ -652,7 +659,7 @@
           <a:p>
             <a:fld id="{01EB07FD-8B48-4711-9FC0-B5E2D0E47E83}" type="datetimeFigureOut">
               <a:rPr kumimoji="1" lang="ja-JP" altLang="en-US" smtClean="0"/>
-              <a:t>2022/3/31</a:t>
+              <a:t>2022/4/13</a:t>
             </a:fld>
             <a:endParaRPr kumimoji="1" lang="ja-JP" altLang="en-US"/>
           </a:p>
@@ -854,7 +861,7 @@
           <a:p>
             <a:fld id="{01EB07FD-8B48-4711-9FC0-B5E2D0E47E83}" type="datetimeFigureOut">
               <a:rPr kumimoji="1" lang="ja-JP" altLang="en-US" smtClean="0"/>
-              <a:t>2022/3/31</a:t>
+              <a:t>2022/4/13</a:t>
             </a:fld>
             <a:endParaRPr kumimoji="1" lang="ja-JP" altLang="en-US"/>
           </a:p>
@@ -1100,7 +1107,7 @@
           <a:p>
             <a:fld id="{01EB07FD-8B48-4711-9FC0-B5E2D0E47E83}" type="datetimeFigureOut">
               <a:rPr kumimoji="1" lang="ja-JP" altLang="en-US" smtClean="0"/>
-              <a:t>2022/3/31</a:t>
+              <a:t>2022/4/13</a:t>
             </a:fld>
             <a:endParaRPr kumimoji="1" lang="ja-JP" altLang="en-US"/>
           </a:p>
@@ -1396,7 +1403,7 @@
           <a:p>
             <a:fld id="{01EB07FD-8B48-4711-9FC0-B5E2D0E47E83}" type="datetimeFigureOut">
               <a:rPr kumimoji="1" lang="ja-JP" altLang="en-US" smtClean="0"/>
-              <a:t>2022/3/31</a:t>
+              <a:t>2022/4/13</a:t>
             </a:fld>
             <a:endParaRPr kumimoji="1" lang="ja-JP" altLang="en-US"/>
           </a:p>
@@ -1827,7 +1834,7 @@
           <a:p>
             <a:fld id="{01EB07FD-8B48-4711-9FC0-B5E2D0E47E83}" type="datetimeFigureOut">
               <a:rPr kumimoji="1" lang="ja-JP" altLang="en-US" smtClean="0"/>
-              <a:t>2022/3/31</a:t>
+              <a:t>2022/4/13</a:t>
             </a:fld>
             <a:endParaRPr kumimoji="1" lang="ja-JP" altLang="en-US"/>
           </a:p>
@@ -1945,7 +1952,7 @@
           <a:p>
             <a:fld id="{01EB07FD-8B48-4711-9FC0-B5E2D0E47E83}" type="datetimeFigureOut">
               <a:rPr kumimoji="1" lang="ja-JP" altLang="en-US" smtClean="0"/>
-              <a:t>2022/3/31</a:t>
+              <a:t>2022/4/13</a:t>
             </a:fld>
             <a:endParaRPr kumimoji="1" lang="ja-JP" altLang="en-US"/>
           </a:p>
@@ -2040,7 +2047,7 @@
           <a:p>
             <a:fld id="{01EB07FD-8B48-4711-9FC0-B5E2D0E47E83}" type="datetimeFigureOut">
               <a:rPr kumimoji="1" lang="ja-JP" altLang="en-US" smtClean="0"/>
-              <a:t>2022/3/31</a:t>
+              <a:t>2022/4/13</a:t>
             </a:fld>
             <a:endParaRPr kumimoji="1" lang="ja-JP" altLang="en-US"/>
           </a:p>
@@ -2349,7 +2356,7 @@
           <a:p>
             <a:fld id="{01EB07FD-8B48-4711-9FC0-B5E2D0E47E83}" type="datetimeFigureOut">
               <a:rPr kumimoji="1" lang="ja-JP" altLang="en-US" smtClean="0"/>
-              <a:t>2022/3/31</a:t>
+              <a:t>2022/4/13</a:t>
             </a:fld>
             <a:endParaRPr kumimoji="1" lang="ja-JP" altLang="en-US"/>
           </a:p>
@@ -2602,7 +2609,7 @@
           <a:p>
             <a:fld id="{01EB07FD-8B48-4711-9FC0-B5E2D0E47E83}" type="datetimeFigureOut">
               <a:rPr kumimoji="1" lang="ja-JP" altLang="en-US" smtClean="0"/>
-              <a:t>2022/3/31</a:t>
+              <a:t>2022/4/13</a:t>
             </a:fld>
             <a:endParaRPr kumimoji="1" lang="ja-JP" altLang="en-US"/>
           </a:p>
@@ -2847,7 +2854,7 @@
           <a:p>
             <a:fld id="{01EB07FD-8B48-4711-9FC0-B5E2D0E47E83}" type="datetimeFigureOut">
               <a:rPr kumimoji="1" lang="ja-JP" altLang="en-US" smtClean="0"/>
-              <a:t>2022/3/31</a:t>
+              <a:t>2022/4/13</a:t>
             </a:fld>
             <a:endParaRPr kumimoji="1" lang="ja-JP" altLang="en-US"/>
           </a:p>
@@ -3355,6 +3362,246 @@
 </p:sld>
 </file>
 
+<file path=ppt/slides/slide2.xml><?xml version="1.0" encoding="utf-8"?>
+<p:sld xmlns:a="http://schemas.openxmlformats.org/drawingml/2006/main" xmlns:r="http://schemas.openxmlformats.org/officeDocument/2006/relationships" xmlns:p="http://schemas.openxmlformats.org/presentationml/2006/main">
+  <p:cSld>
+    <p:spTree>
+      <p:nvGrpSpPr>
+        <p:cNvPr id="1" name=""/>
+        <p:cNvGrpSpPr/>
+        <p:nvPr/>
+      </p:nvGrpSpPr>
+      <p:grpSpPr>
+        <a:xfrm>
+          <a:off x="0" y="0"/>
+          <a:ext cx="0" cy="0"/>
+          <a:chOff x="0" y="0"/>
+          <a:chExt cx="0" cy="0"/>
+        </a:xfrm>
+      </p:grpSpPr>
+      <p:pic>
+        <p:nvPicPr>
+          <p:cNvPr id="4" name="図 3"/>
+          <p:cNvPicPr>
+            <a:picLocks noChangeAspect="1"/>
+          </p:cNvPicPr>
+          <p:nvPr/>
+        </p:nvPicPr>
+        <p:blipFill>
+          <a:blip r:embed="rId2" cstate="print">
+            <a:extLst>
+              <a:ext uri="{28A0092B-C50C-407E-A947-70E740481C1C}">
+                <a14:useLocalDpi xmlns:a14="http://schemas.microsoft.com/office/drawing/2010/main" val="0"/>
+              </a:ext>
+            </a:extLst>
+          </a:blip>
+          <a:stretch>
+            <a:fillRect/>
+          </a:stretch>
+        </p:blipFill>
+        <p:spPr>
+          <a:xfrm>
+            <a:off x="448954" y="547008"/>
+            <a:ext cx="3425317" cy="5314950"/>
+          </a:xfrm>
+          <a:prstGeom prst="rect">
+            <a:avLst/>
+          </a:prstGeom>
+        </p:spPr>
+      </p:pic>
+      <p:pic>
+        <p:nvPicPr>
+          <p:cNvPr id="5" name="図 4"/>
+          <p:cNvPicPr>
+            <a:picLocks noChangeAspect="1"/>
+          </p:cNvPicPr>
+          <p:nvPr/>
+        </p:nvPicPr>
+        <p:blipFill>
+          <a:blip r:embed="rId3" cstate="print">
+            <a:extLst>
+              <a:ext uri="{28A0092B-C50C-407E-A947-70E740481C1C}">
+                <a14:useLocalDpi xmlns:a14="http://schemas.microsoft.com/office/drawing/2010/main" val="0"/>
+              </a:ext>
+            </a:extLst>
+          </a:blip>
+          <a:stretch>
+            <a:fillRect/>
+          </a:stretch>
+        </p:blipFill>
+        <p:spPr>
+          <a:xfrm>
+            <a:off x="4980133" y="726622"/>
+            <a:ext cx="2067817" cy="3208563"/>
+          </a:xfrm>
+          <a:prstGeom prst="rect">
+            <a:avLst/>
+          </a:prstGeom>
+        </p:spPr>
+      </p:pic>
+      <p:pic>
+        <p:nvPicPr>
+          <p:cNvPr id="6" name="図 5"/>
+          <p:cNvPicPr>
+            <a:picLocks noChangeAspect="1"/>
+          </p:cNvPicPr>
+          <p:nvPr/>
+        </p:nvPicPr>
+        <p:blipFill>
+          <a:blip r:embed="rId4" cstate="print">
+            <a:extLst>
+              <a:ext uri="{28A0092B-C50C-407E-A947-70E740481C1C}">
+                <a14:useLocalDpi xmlns:a14="http://schemas.microsoft.com/office/drawing/2010/main" val="0"/>
+              </a:ext>
+            </a:extLst>
+          </a:blip>
+          <a:stretch>
+            <a:fillRect/>
+          </a:stretch>
+        </p:blipFill>
+        <p:spPr>
+          <a:xfrm>
+            <a:off x="8882663" y="726622"/>
+            <a:ext cx="1081262" cy="1677759"/>
+          </a:xfrm>
+          <a:prstGeom prst="rect">
+            <a:avLst/>
+          </a:prstGeom>
+        </p:spPr>
+      </p:pic>
+    </p:spTree>
+    <p:extLst>
+      <p:ext uri="{BB962C8B-B14F-4D97-AF65-F5344CB8AC3E}">
+        <p14:creationId xmlns:p14="http://schemas.microsoft.com/office/powerpoint/2010/main" val="884068478"/>
+      </p:ext>
+    </p:extLst>
+  </p:cSld>
+  <p:clrMapOvr>
+    <a:masterClrMapping/>
+  </p:clrMapOvr>
+</p:sld>
+</file>
+
+<file path=ppt/slides/slide3.xml><?xml version="1.0" encoding="utf-8"?>
+<p:sld xmlns:a="http://schemas.openxmlformats.org/drawingml/2006/main" xmlns:r="http://schemas.openxmlformats.org/officeDocument/2006/relationships" xmlns:p="http://schemas.openxmlformats.org/presentationml/2006/main">
+  <p:cSld>
+    <p:spTree>
+      <p:nvGrpSpPr>
+        <p:cNvPr id="1" name=""/>
+        <p:cNvGrpSpPr/>
+        <p:nvPr/>
+      </p:nvGrpSpPr>
+      <p:grpSpPr>
+        <a:xfrm>
+          <a:off x="0" y="0"/>
+          <a:ext cx="0" cy="0"/>
+          <a:chOff x="0" y="0"/>
+          <a:chExt cx="0" cy="0"/>
+        </a:xfrm>
+      </p:grpSpPr>
+      <p:pic>
+        <p:nvPicPr>
+          <p:cNvPr id="2" name="図 1"/>
+          <p:cNvPicPr>
+            <a:picLocks noChangeAspect="1"/>
+          </p:cNvPicPr>
+          <p:nvPr/>
+        </p:nvPicPr>
+        <p:blipFill>
+          <a:blip r:embed="rId2">
+            <a:extLst>
+              <a:ext uri="{28A0092B-C50C-407E-A947-70E740481C1C}">
+                <a14:useLocalDpi xmlns:a14="http://schemas.microsoft.com/office/drawing/2010/main" val="0"/>
+              </a:ext>
+            </a:extLst>
+          </a:blip>
+          <a:stretch>
+            <a:fillRect/>
+          </a:stretch>
+        </p:blipFill>
+        <p:spPr>
+          <a:xfrm>
+            <a:off x="-908477" y="798991"/>
+            <a:ext cx="7526212" cy="4696287"/>
+          </a:xfrm>
+          <a:prstGeom prst="rect">
+            <a:avLst/>
+          </a:prstGeom>
+        </p:spPr>
+      </p:pic>
+      <p:pic>
+        <p:nvPicPr>
+          <p:cNvPr id="7" name="図 6"/>
+          <p:cNvPicPr>
+            <a:picLocks noChangeAspect="1"/>
+          </p:cNvPicPr>
+          <p:nvPr/>
+        </p:nvPicPr>
+        <p:blipFill>
+          <a:blip r:embed="rId3" cstate="print">
+            <a:extLst>
+              <a:ext uri="{28A0092B-C50C-407E-A947-70E740481C1C}">
+                <a14:useLocalDpi xmlns:a14="http://schemas.microsoft.com/office/drawing/2010/main" val="0"/>
+              </a:ext>
+            </a:extLst>
+          </a:blip>
+          <a:stretch>
+            <a:fillRect/>
+          </a:stretch>
+        </p:blipFill>
+        <p:spPr>
+          <a:xfrm>
+            <a:off x="4995174" y="488273"/>
+            <a:ext cx="4566944" cy="2849731"/>
+          </a:xfrm>
+          <a:prstGeom prst="rect">
+            <a:avLst/>
+          </a:prstGeom>
+        </p:spPr>
+      </p:pic>
+      <p:pic>
+        <p:nvPicPr>
+          <p:cNvPr id="8" name="図 7"/>
+          <p:cNvPicPr>
+            <a:picLocks noChangeAspect="1"/>
+          </p:cNvPicPr>
+          <p:nvPr/>
+        </p:nvPicPr>
+        <p:blipFill>
+          <a:blip r:embed="rId4" cstate="print">
+            <a:extLst>
+              <a:ext uri="{28A0092B-C50C-407E-A947-70E740481C1C}">
+                <a14:useLocalDpi xmlns:a14="http://schemas.microsoft.com/office/drawing/2010/main" val="0"/>
+              </a:ext>
+            </a:extLst>
+          </a:blip>
+          <a:stretch>
+            <a:fillRect/>
+          </a:stretch>
+        </p:blipFill>
+        <p:spPr>
+          <a:xfrm>
+            <a:off x="8805786" y="4092606"/>
+            <a:ext cx="2681919" cy="1673493"/>
+          </a:xfrm>
+          <a:prstGeom prst="rect">
+            <a:avLst/>
+          </a:prstGeom>
+        </p:spPr>
+      </p:pic>
+    </p:spTree>
+    <p:extLst>
+      <p:ext uri="{BB962C8B-B14F-4D97-AF65-F5344CB8AC3E}">
+        <p14:creationId xmlns:p14="http://schemas.microsoft.com/office/powerpoint/2010/main" val="900900499"/>
+      </p:ext>
+    </p:extLst>
+  </p:cSld>
+  <p:clrMapOvr>
+    <a:masterClrMapping/>
+  </p:clrMapOvr>
+</p:sld>
+</file>
+
 <file path=ppt/theme/theme1.xml><?xml version="1.0" encoding="utf-8"?>
 <a:theme xmlns:a="http://schemas.openxmlformats.org/drawingml/2006/main" name="Office テーマ">
   <a:themeElements>
